--- a/프로젝트 파일/Github.pptx
+++ b/프로젝트 파일/Github.pptx
@@ -5,7 +5,7 @@
     <p:sldMasterId id="2147483648" r:id="rId1"/>
   </p:sldMasterIdLst>
   <p:notesMasterIdLst>
-    <p:notesMasterId r:id="rId18"/>
+    <p:notesMasterId r:id="rId17"/>
   </p:notesMasterIdLst>
   <p:sldIdLst>
     <p:sldId id="256" r:id="rId2"/>
@@ -23,7 +23,6 @@
     <p:sldId id="268" r:id="rId14"/>
     <p:sldId id="269" r:id="rId15"/>
     <p:sldId id="270" r:id="rId16"/>
-    <p:sldId id="271" r:id="rId17"/>
   </p:sldIdLst>
   <p:sldSz cx="9144000" cy="6858000" type="screen4x3"/>
   <p:notesSz cx="6858000" cy="9144000"/>
@@ -207,7 +206,7 @@
           <a:p>
             <a:fld id="{4BC9E008-98D8-4CBB-B56A-99696DA16908}" type="datetimeFigureOut">
               <a:rPr lang="ko-KR" altLang="en-US" smtClean="0"/>
-              <a:t>2023-02-24</a:t>
+              <a:t>2023-02-28</a:t>
             </a:fld>
             <a:endParaRPr lang="ko-KR" altLang="en-US"/>
           </a:p>
@@ -740,7 +739,7 @@
           <a:p>
             <a:fld id="{D8E4255F-1C62-4040-811F-3009221AC0D8}" type="datetimeFigureOut">
               <a:rPr lang="ko-KR" altLang="en-US" smtClean="0"/>
-              <a:t>2023-02-24</a:t>
+              <a:t>2023-02-28</a:t>
             </a:fld>
             <a:endParaRPr lang="ko-KR" altLang="en-US"/>
           </a:p>
@@ -910,7 +909,7 @@
           <a:p>
             <a:fld id="{D8E4255F-1C62-4040-811F-3009221AC0D8}" type="datetimeFigureOut">
               <a:rPr lang="ko-KR" altLang="en-US" smtClean="0"/>
-              <a:t>2023-02-24</a:t>
+              <a:t>2023-02-28</a:t>
             </a:fld>
             <a:endParaRPr lang="ko-KR" altLang="en-US"/>
           </a:p>
@@ -1090,7 +1089,7 @@
           <a:p>
             <a:fld id="{D8E4255F-1C62-4040-811F-3009221AC0D8}" type="datetimeFigureOut">
               <a:rPr lang="ko-KR" altLang="en-US" smtClean="0"/>
-              <a:t>2023-02-24</a:t>
+              <a:t>2023-02-28</a:t>
             </a:fld>
             <a:endParaRPr lang="ko-KR" altLang="en-US"/>
           </a:p>
@@ -1260,7 +1259,7 @@
           <a:p>
             <a:fld id="{D8E4255F-1C62-4040-811F-3009221AC0D8}" type="datetimeFigureOut">
               <a:rPr lang="ko-KR" altLang="en-US" smtClean="0"/>
-              <a:t>2023-02-24</a:t>
+              <a:t>2023-02-28</a:t>
             </a:fld>
             <a:endParaRPr lang="ko-KR" altLang="en-US"/>
           </a:p>
@@ -1506,7 +1505,7 @@
           <a:p>
             <a:fld id="{D8E4255F-1C62-4040-811F-3009221AC0D8}" type="datetimeFigureOut">
               <a:rPr lang="ko-KR" altLang="en-US" smtClean="0"/>
-              <a:t>2023-02-24</a:t>
+              <a:t>2023-02-28</a:t>
             </a:fld>
             <a:endParaRPr lang="ko-KR" altLang="en-US"/>
           </a:p>
@@ -1794,7 +1793,7 @@
           <a:p>
             <a:fld id="{D8E4255F-1C62-4040-811F-3009221AC0D8}" type="datetimeFigureOut">
               <a:rPr lang="ko-KR" altLang="en-US" smtClean="0"/>
-              <a:t>2023-02-24</a:t>
+              <a:t>2023-02-28</a:t>
             </a:fld>
             <a:endParaRPr lang="ko-KR" altLang="en-US"/>
           </a:p>
@@ -2216,7 +2215,7 @@
           <a:p>
             <a:fld id="{D8E4255F-1C62-4040-811F-3009221AC0D8}" type="datetimeFigureOut">
               <a:rPr lang="ko-KR" altLang="en-US" smtClean="0"/>
-              <a:t>2023-02-24</a:t>
+              <a:t>2023-02-28</a:t>
             </a:fld>
             <a:endParaRPr lang="ko-KR" altLang="en-US"/>
           </a:p>
@@ -2334,7 +2333,7 @@
           <a:p>
             <a:fld id="{D8E4255F-1C62-4040-811F-3009221AC0D8}" type="datetimeFigureOut">
               <a:rPr lang="ko-KR" altLang="en-US" smtClean="0"/>
-              <a:t>2023-02-24</a:t>
+              <a:t>2023-02-28</a:t>
             </a:fld>
             <a:endParaRPr lang="ko-KR" altLang="en-US"/>
           </a:p>
@@ -2429,7 +2428,7 @@
           <a:p>
             <a:fld id="{D8E4255F-1C62-4040-811F-3009221AC0D8}" type="datetimeFigureOut">
               <a:rPr lang="ko-KR" altLang="en-US" smtClean="0"/>
-              <a:t>2023-02-24</a:t>
+              <a:t>2023-02-28</a:t>
             </a:fld>
             <a:endParaRPr lang="ko-KR" altLang="en-US"/>
           </a:p>
@@ -2706,7 +2705,7 @@
           <a:p>
             <a:fld id="{D8E4255F-1C62-4040-811F-3009221AC0D8}" type="datetimeFigureOut">
               <a:rPr lang="ko-KR" altLang="en-US" smtClean="0"/>
-              <a:t>2023-02-24</a:t>
+              <a:t>2023-02-28</a:t>
             </a:fld>
             <a:endParaRPr lang="ko-KR" altLang="en-US"/>
           </a:p>
@@ -2959,7 +2958,7 @@
           <a:p>
             <a:fld id="{D8E4255F-1C62-4040-811F-3009221AC0D8}" type="datetimeFigureOut">
               <a:rPr lang="ko-KR" altLang="en-US" smtClean="0"/>
-              <a:t>2023-02-24</a:t>
+              <a:t>2023-02-28</a:t>
             </a:fld>
             <a:endParaRPr lang="ko-KR" altLang="en-US"/>
           </a:p>
@@ -3172,7 +3171,7 @@
           <a:p>
             <a:fld id="{D8E4255F-1C62-4040-811F-3009221AC0D8}" type="datetimeFigureOut">
               <a:rPr lang="ko-KR" altLang="en-US" smtClean="0"/>
-              <a:t>2023-02-24</a:t>
+              <a:t>2023-02-28</a:t>
             </a:fld>
             <a:endParaRPr lang="ko-KR" altLang="en-US"/>
           </a:p>
@@ -4869,7 +4868,634 @@
           <a:p>
             <a:r>
               <a:rPr lang="en-US" altLang="ko-KR" dirty="0" smtClean="0"/>
-              <a:t>Commit</a:t>
+              <a:t>Merge &amp; Rebase </a:t>
+            </a:r>
+            <a:r>
+              <a:rPr lang="ko-KR" altLang="en-US" dirty="0" smtClean="0"/>
+              <a:t>추가 설명</a:t>
+            </a:r>
+            <a:endParaRPr lang="ko-KR" altLang="en-US" dirty="0"/>
+          </a:p>
+        </p:txBody>
+      </p:sp>
+      <p:cxnSp>
+        <p:nvCxnSpPr>
+          <p:cNvPr id="5" name="직선 연결선 4"/>
+          <p:cNvCxnSpPr/>
+          <p:nvPr/>
+        </p:nvCxnSpPr>
+        <p:spPr>
+          <a:xfrm>
+            <a:off x="4355976" y="2924944"/>
+            <a:ext cx="0" cy="3933056"/>
+          </a:xfrm>
+          <a:prstGeom prst="line">
+            <a:avLst/>
+          </a:prstGeom>
+          <a:ln>
+            <a:solidFill>
+              <a:schemeClr val="tx1"/>
+            </a:solidFill>
+          </a:ln>
+        </p:spPr>
+        <p:style>
+          <a:lnRef idx="1">
+            <a:schemeClr val="accent1"/>
+          </a:lnRef>
+          <a:fillRef idx="0">
+            <a:schemeClr val="accent1"/>
+          </a:fillRef>
+          <a:effectRef idx="0">
+            <a:schemeClr val="accent1"/>
+          </a:effectRef>
+          <a:fontRef idx="minor">
+            <a:schemeClr val="tx1"/>
+          </a:fontRef>
+        </p:style>
+      </p:cxnSp>
+      <p:pic>
+        <p:nvPicPr>
+          <p:cNvPr id="1026" name="Picture 2"/>
+          <p:cNvPicPr>
+            <a:picLocks noChangeAspect="1" noChangeArrowheads="1"/>
+          </p:cNvPicPr>
+          <p:nvPr/>
+        </p:nvPicPr>
+        <p:blipFill>
+          <a:blip r:embed="rId2">
+            <a:extLst>
+              <a:ext uri="{28A0092B-C50C-407E-A947-70E740481C1C}">
+                <a14:useLocalDpi xmlns:a14="http://schemas.microsoft.com/office/drawing/2010/main" val="0"/>
+              </a:ext>
+            </a:extLst>
+          </a:blip>
+          <a:srcRect/>
+          <a:stretch>
+            <a:fillRect/>
+          </a:stretch>
+        </p:blipFill>
+        <p:spPr bwMode="auto">
+          <a:xfrm>
+            <a:off x="923626" y="1315219"/>
+            <a:ext cx="3600450" cy="1609725"/>
+          </a:xfrm>
+          <a:prstGeom prst="rect">
+            <a:avLst/>
+          </a:prstGeom>
+          <a:noFill/>
+          <a:ln>
+            <a:noFill/>
+          </a:ln>
+          <a:effectLst/>
+          <a:extLst>
+            <a:ext uri="{909E8E84-426E-40DD-AFC4-6F175D3DCCD1}">
+              <a14:hiddenFill xmlns:a14="http://schemas.microsoft.com/office/drawing/2010/main">
+                <a:solidFill>
+                  <a:schemeClr val="accent1"/>
+                </a:solidFill>
+              </a14:hiddenFill>
+            </a:ext>
+            <a:ext uri="{91240B29-F687-4F45-9708-019B960494DF}">
+              <a14:hiddenLine xmlns:a14="http://schemas.microsoft.com/office/drawing/2010/main" w="9525">
+                <a:solidFill>
+                  <a:schemeClr val="tx1"/>
+                </a:solidFill>
+                <a:miter lim="800000"/>
+                <a:headEnd/>
+                <a:tailEnd/>
+              </a14:hiddenLine>
+            </a:ext>
+            <a:ext uri="{AF507438-7753-43E0-B8FC-AC1667EBCBE1}">
+              <a14:hiddenEffects xmlns:a14="http://schemas.microsoft.com/office/drawing/2010/main">
+                <a:effectLst>
+                  <a:outerShdw dist="35921" dir="2700000" algn="ctr" rotWithShape="0">
+                    <a:schemeClr val="bg2"/>
+                  </a:outerShdw>
+                </a:effectLst>
+              </a14:hiddenEffects>
+            </a:ext>
+          </a:extLst>
+        </p:spPr>
+      </p:pic>
+      <p:sp>
+        <p:nvSpPr>
+          <p:cNvPr id="6" name="TextBox 5"/>
+          <p:cNvSpPr txBox="1"/>
+          <p:nvPr/>
+        </p:nvSpPr>
+        <p:spPr>
+          <a:xfrm>
+            <a:off x="4812058" y="1727666"/>
+            <a:ext cx="3432350" cy="784830"/>
+          </a:xfrm>
+          <a:prstGeom prst="rect">
+            <a:avLst/>
+          </a:prstGeom>
+          <a:noFill/>
+        </p:spPr>
+        <p:txBody>
+          <a:bodyPr wrap="none" rtlCol="0">
+            <a:spAutoFit/>
+          </a:bodyPr>
+          <a:lstStyle/>
+          <a:p>
+            <a:r>
+              <a:rPr lang="ko-KR" altLang="en-US" sz="1500" dirty="0" smtClean="0"/>
+              <a:t>현재 상황</a:t>
+            </a:r>
+            <a:endParaRPr lang="en-US" altLang="ko-KR" sz="1500" dirty="0" smtClean="0"/>
+          </a:p>
+          <a:p>
+            <a:pPr marL="342900" indent="-342900">
+              <a:buAutoNum type="arabicPeriod"/>
+            </a:pPr>
+            <a:r>
+              <a:rPr lang="en-US" altLang="ko-KR" sz="1500" dirty="0" smtClean="0"/>
+              <a:t>Main</a:t>
+            </a:r>
+            <a:r>
+              <a:rPr lang="ko-KR" altLang="en-US" sz="1500" dirty="0" smtClean="0"/>
+              <a:t>과 </a:t>
+            </a:r>
+            <a:r>
+              <a:rPr lang="en-US" altLang="ko-KR" sz="1500" dirty="0" smtClean="0"/>
+              <a:t>Branch </a:t>
+            </a:r>
+            <a:r>
+              <a:rPr lang="ko-KR" altLang="en-US" sz="1500" dirty="0" smtClean="0"/>
+              <a:t>모두 변경 된 상황</a:t>
+            </a:r>
+            <a:endParaRPr lang="en-US" altLang="ko-KR" sz="1500" dirty="0" smtClean="0"/>
+          </a:p>
+          <a:p>
+            <a:pPr marL="342900" indent="-342900">
+              <a:buAutoNum type="arabicPeriod"/>
+            </a:pPr>
+            <a:r>
+              <a:rPr lang="en-US" altLang="ko-KR" sz="1500" dirty="0"/>
+              <a:t>B5</a:t>
+            </a:r>
+            <a:r>
+              <a:rPr lang="ko-KR" altLang="en-US" sz="1500" dirty="0"/>
+              <a:t>와 </a:t>
+            </a:r>
+            <a:r>
+              <a:rPr lang="en-US" altLang="ko-KR" sz="1500" dirty="0"/>
+              <a:t>A4</a:t>
+            </a:r>
+            <a:r>
+              <a:rPr lang="ko-KR" altLang="en-US" sz="1500" dirty="0"/>
+              <a:t>가 충돌</a:t>
+            </a:r>
+            <a:endParaRPr lang="ko-KR" altLang="en-US" sz="1500" dirty="0"/>
+          </a:p>
+        </p:txBody>
+      </p:sp>
+      <p:cxnSp>
+        <p:nvCxnSpPr>
+          <p:cNvPr id="8" name="직선 연결선 7"/>
+          <p:cNvCxnSpPr/>
+          <p:nvPr/>
+        </p:nvCxnSpPr>
+        <p:spPr>
+          <a:xfrm>
+            <a:off x="0" y="2924944"/>
+            <a:ext cx="9144000" cy="0"/>
+          </a:xfrm>
+          <a:prstGeom prst="line">
+            <a:avLst/>
+          </a:prstGeom>
+          <a:ln>
+            <a:solidFill>
+              <a:schemeClr val="tx1"/>
+            </a:solidFill>
+          </a:ln>
+        </p:spPr>
+        <p:style>
+          <a:lnRef idx="1">
+            <a:schemeClr val="accent1"/>
+          </a:lnRef>
+          <a:fillRef idx="0">
+            <a:schemeClr val="accent1"/>
+          </a:fillRef>
+          <a:effectRef idx="0">
+            <a:schemeClr val="accent1"/>
+          </a:effectRef>
+          <a:fontRef idx="minor">
+            <a:schemeClr val="tx1"/>
+          </a:fontRef>
+        </p:style>
+      </p:cxnSp>
+      <p:sp>
+        <p:nvSpPr>
+          <p:cNvPr id="12" name="TextBox 11"/>
+          <p:cNvSpPr txBox="1"/>
+          <p:nvPr/>
+        </p:nvSpPr>
+        <p:spPr>
+          <a:xfrm>
+            <a:off x="1691680" y="2924944"/>
+            <a:ext cx="861070" cy="369332"/>
+          </a:xfrm>
+          <a:prstGeom prst="rect">
+            <a:avLst/>
+          </a:prstGeom>
+          <a:noFill/>
+        </p:spPr>
+        <p:txBody>
+          <a:bodyPr wrap="none" rtlCol="0">
+            <a:spAutoFit/>
+          </a:bodyPr>
+          <a:lstStyle/>
+          <a:p>
+            <a:r>
+              <a:rPr lang="en-US" altLang="ko-KR" dirty="0" smtClean="0"/>
+              <a:t>Merge</a:t>
+            </a:r>
+            <a:endParaRPr lang="ko-KR" altLang="en-US" dirty="0"/>
+          </a:p>
+        </p:txBody>
+      </p:sp>
+      <p:sp>
+        <p:nvSpPr>
+          <p:cNvPr id="14" name="TextBox 13"/>
+          <p:cNvSpPr txBox="1"/>
+          <p:nvPr/>
+        </p:nvSpPr>
+        <p:spPr>
+          <a:xfrm>
+            <a:off x="6300192" y="2949007"/>
+            <a:ext cx="919804" cy="369332"/>
+          </a:xfrm>
+          <a:prstGeom prst="rect">
+            <a:avLst/>
+          </a:prstGeom>
+          <a:noFill/>
+        </p:spPr>
+        <p:txBody>
+          <a:bodyPr wrap="none" rtlCol="0">
+            <a:spAutoFit/>
+          </a:bodyPr>
+          <a:lstStyle/>
+          <a:p>
+            <a:r>
+              <a:rPr lang="en-US" altLang="ko-KR" dirty="0" smtClean="0"/>
+              <a:t>Rebase</a:t>
+            </a:r>
+            <a:endParaRPr lang="ko-KR" altLang="en-US" dirty="0"/>
+          </a:p>
+        </p:txBody>
+      </p:sp>
+      <p:cxnSp>
+        <p:nvCxnSpPr>
+          <p:cNvPr id="15" name="직선 연결선 14"/>
+          <p:cNvCxnSpPr/>
+          <p:nvPr/>
+        </p:nvCxnSpPr>
+        <p:spPr>
+          <a:xfrm>
+            <a:off x="-36512" y="3284984"/>
+            <a:ext cx="9180512" cy="0"/>
+          </a:xfrm>
+          <a:prstGeom prst="line">
+            <a:avLst/>
+          </a:prstGeom>
+          <a:ln>
+            <a:solidFill>
+              <a:schemeClr val="tx1"/>
+            </a:solidFill>
+          </a:ln>
+        </p:spPr>
+        <p:style>
+          <a:lnRef idx="1">
+            <a:schemeClr val="accent1"/>
+          </a:lnRef>
+          <a:fillRef idx="0">
+            <a:schemeClr val="accent1"/>
+          </a:fillRef>
+          <a:effectRef idx="0">
+            <a:schemeClr val="accent1"/>
+          </a:effectRef>
+          <a:fontRef idx="minor">
+            <a:schemeClr val="tx1"/>
+          </a:fontRef>
+        </p:style>
+      </p:cxnSp>
+      <p:pic>
+        <p:nvPicPr>
+          <p:cNvPr id="1027" name="Picture 3"/>
+          <p:cNvPicPr>
+            <a:picLocks noChangeAspect="1" noChangeArrowheads="1"/>
+          </p:cNvPicPr>
+          <p:nvPr/>
+        </p:nvPicPr>
+        <p:blipFill>
+          <a:blip r:embed="rId3">
+            <a:extLst>
+              <a:ext uri="{28A0092B-C50C-407E-A947-70E740481C1C}">
+                <a14:useLocalDpi xmlns:a14="http://schemas.microsoft.com/office/drawing/2010/main" val="0"/>
+              </a:ext>
+            </a:extLst>
+          </a:blip>
+          <a:srcRect/>
+          <a:stretch>
+            <a:fillRect/>
+          </a:stretch>
+        </p:blipFill>
+        <p:spPr bwMode="auto">
+          <a:xfrm>
+            <a:off x="35496" y="3371664"/>
+            <a:ext cx="4296780" cy="1209464"/>
+          </a:xfrm>
+          <a:prstGeom prst="rect">
+            <a:avLst/>
+          </a:prstGeom>
+          <a:noFill/>
+          <a:ln>
+            <a:noFill/>
+          </a:ln>
+          <a:effectLst/>
+          <a:extLst>
+            <a:ext uri="{909E8E84-426E-40DD-AFC4-6F175D3DCCD1}">
+              <a14:hiddenFill xmlns:a14="http://schemas.microsoft.com/office/drawing/2010/main">
+                <a:solidFill>
+                  <a:schemeClr val="accent1"/>
+                </a:solidFill>
+              </a14:hiddenFill>
+            </a:ext>
+            <a:ext uri="{91240B29-F687-4F45-9708-019B960494DF}">
+              <a14:hiddenLine xmlns:a14="http://schemas.microsoft.com/office/drawing/2010/main" w="9525">
+                <a:solidFill>
+                  <a:schemeClr val="tx1"/>
+                </a:solidFill>
+                <a:miter lim="800000"/>
+                <a:headEnd/>
+                <a:tailEnd/>
+              </a14:hiddenLine>
+            </a:ext>
+            <a:ext uri="{AF507438-7753-43E0-B8FC-AC1667EBCBE1}">
+              <a14:hiddenEffects xmlns:a14="http://schemas.microsoft.com/office/drawing/2010/main">
+                <a:effectLst>
+                  <a:outerShdw dist="35921" dir="2700000" algn="ctr" rotWithShape="0">
+                    <a:schemeClr val="bg2"/>
+                  </a:outerShdw>
+                </a:effectLst>
+              </a14:hiddenEffects>
+            </a:ext>
+          </a:extLst>
+        </p:spPr>
+      </p:pic>
+      <p:pic>
+        <p:nvPicPr>
+          <p:cNvPr id="1028" name="Picture 4"/>
+          <p:cNvPicPr>
+            <a:picLocks noChangeAspect="1" noChangeArrowheads="1"/>
+          </p:cNvPicPr>
+          <p:nvPr/>
+        </p:nvPicPr>
+        <p:blipFill>
+          <a:blip r:embed="rId4">
+            <a:extLst>
+              <a:ext uri="{28A0092B-C50C-407E-A947-70E740481C1C}">
+                <a14:useLocalDpi xmlns:a14="http://schemas.microsoft.com/office/drawing/2010/main" val="0"/>
+              </a:ext>
+            </a:extLst>
+          </a:blip>
+          <a:srcRect/>
+          <a:stretch>
+            <a:fillRect/>
+          </a:stretch>
+        </p:blipFill>
+        <p:spPr bwMode="auto">
+          <a:xfrm>
+            <a:off x="4427984" y="3337268"/>
+            <a:ext cx="4626644" cy="1171852"/>
+          </a:xfrm>
+          <a:prstGeom prst="rect">
+            <a:avLst/>
+          </a:prstGeom>
+          <a:noFill/>
+          <a:ln>
+            <a:noFill/>
+          </a:ln>
+          <a:effectLst/>
+          <a:extLst>
+            <a:ext uri="{909E8E84-426E-40DD-AFC4-6F175D3DCCD1}">
+              <a14:hiddenFill xmlns:a14="http://schemas.microsoft.com/office/drawing/2010/main">
+                <a:solidFill>
+                  <a:schemeClr val="accent1"/>
+                </a:solidFill>
+              </a14:hiddenFill>
+            </a:ext>
+            <a:ext uri="{91240B29-F687-4F45-9708-019B960494DF}">
+              <a14:hiddenLine xmlns:a14="http://schemas.microsoft.com/office/drawing/2010/main" w="9525">
+                <a:solidFill>
+                  <a:schemeClr val="tx1"/>
+                </a:solidFill>
+                <a:miter lim="800000"/>
+                <a:headEnd/>
+                <a:tailEnd/>
+              </a14:hiddenLine>
+            </a:ext>
+            <a:ext uri="{AF507438-7753-43E0-B8FC-AC1667EBCBE1}">
+              <a14:hiddenEffects xmlns:a14="http://schemas.microsoft.com/office/drawing/2010/main">
+                <a:effectLst>
+                  <a:outerShdw dist="35921" dir="2700000" algn="ctr" rotWithShape="0">
+                    <a:schemeClr val="bg2"/>
+                  </a:outerShdw>
+                </a:effectLst>
+              </a14:hiddenEffects>
+            </a:ext>
+          </a:extLst>
+        </p:spPr>
+      </p:pic>
+      <p:sp>
+        <p:nvSpPr>
+          <p:cNvPr id="16" name="TextBox 15"/>
+          <p:cNvSpPr txBox="1"/>
+          <p:nvPr/>
+        </p:nvSpPr>
+        <p:spPr>
+          <a:xfrm>
+            <a:off x="-12528" y="4715852"/>
+            <a:ext cx="4368504" cy="369332"/>
+          </a:xfrm>
+          <a:prstGeom prst="rect">
+            <a:avLst/>
+          </a:prstGeom>
+          <a:noFill/>
+        </p:spPr>
+        <p:txBody>
+          <a:bodyPr wrap="none" rtlCol="0">
+            <a:spAutoFit/>
+          </a:bodyPr>
+          <a:lstStyle/>
+          <a:p>
+            <a:r>
+              <a:rPr lang="en-US" altLang="ko-KR" dirty="0" smtClean="0"/>
+              <a:t>Main</a:t>
+            </a:r>
+            <a:r>
+              <a:rPr lang="ko-KR" altLang="en-US" dirty="0" smtClean="0"/>
+              <a:t>에 내가</a:t>
+            </a:r>
+            <a:r>
+              <a:rPr lang="en-US" altLang="ko-KR" dirty="0" smtClean="0"/>
+              <a:t> </a:t>
+            </a:r>
+            <a:r>
+              <a:rPr lang="ko-KR" altLang="en-US" dirty="0" smtClean="0"/>
+              <a:t>작업한 </a:t>
+            </a:r>
+            <a:r>
+              <a:rPr lang="en-US" altLang="ko-KR" dirty="0" smtClean="0"/>
+              <a:t>branch</a:t>
+            </a:r>
+            <a:r>
+              <a:rPr lang="ko-KR" altLang="en-US" dirty="0" smtClean="0"/>
+              <a:t>를 적용할 때</a:t>
+            </a:r>
+            <a:endParaRPr lang="ko-KR" altLang="en-US" dirty="0"/>
+          </a:p>
+        </p:txBody>
+      </p:sp>
+      <p:sp>
+        <p:nvSpPr>
+          <p:cNvPr id="17" name="TextBox 16"/>
+          <p:cNvSpPr txBox="1"/>
+          <p:nvPr/>
+        </p:nvSpPr>
+        <p:spPr>
+          <a:xfrm>
+            <a:off x="4445175" y="4715852"/>
+            <a:ext cx="4591321" cy="369332"/>
+          </a:xfrm>
+          <a:prstGeom prst="rect">
+            <a:avLst/>
+          </a:prstGeom>
+          <a:noFill/>
+        </p:spPr>
+        <p:txBody>
+          <a:bodyPr wrap="none" rtlCol="0">
+            <a:spAutoFit/>
+          </a:bodyPr>
+          <a:lstStyle/>
+          <a:p>
+            <a:r>
+              <a:rPr lang="ko-KR" altLang="en-US" dirty="0" smtClean="0"/>
+              <a:t>내가 작업하던 </a:t>
+            </a:r>
+            <a:r>
+              <a:rPr lang="en-US" altLang="ko-KR" dirty="0" smtClean="0"/>
+              <a:t>branch</a:t>
+            </a:r>
+            <a:r>
+              <a:rPr lang="ko-KR" altLang="en-US" dirty="0" smtClean="0"/>
+              <a:t>에</a:t>
+            </a:r>
+            <a:r>
+              <a:rPr lang="en-US" altLang="ko-KR" dirty="0"/>
+              <a:t> </a:t>
+            </a:r>
+            <a:r>
+              <a:rPr lang="en-US" altLang="ko-KR" dirty="0" smtClean="0"/>
+              <a:t>Main</a:t>
+            </a:r>
+            <a:r>
+              <a:rPr lang="ko-KR" altLang="en-US" dirty="0" smtClean="0"/>
+              <a:t>을 적용할 때</a:t>
+            </a:r>
+            <a:endParaRPr lang="ko-KR" altLang="en-US" dirty="0"/>
+          </a:p>
+        </p:txBody>
+      </p:sp>
+      <p:sp>
+        <p:nvSpPr>
+          <p:cNvPr id="18" name="TextBox 17"/>
+          <p:cNvSpPr txBox="1"/>
+          <p:nvPr/>
+        </p:nvSpPr>
+        <p:spPr>
+          <a:xfrm>
+            <a:off x="4521877" y="5122967"/>
+            <a:ext cx="4680520" cy="369332"/>
+          </a:xfrm>
+          <a:prstGeom prst="rect">
+            <a:avLst/>
+          </a:prstGeom>
+          <a:noFill/>
+        </p:spPr>
+        <p:txBody>
+          <a:bodyPr wrap="square" rtlCol="0">
+            <a:spAutoFit/>
+          </a:bodyPr>
+          <a:lstStyle/>
+          <a:p>
+            <a:r>
+              <a:rPr lang="en-US" altLang="ko-KR" dirty="0" smtClean="0"/>
+              <a:t>re-base = </a:t>
+            </a:r>
+            <a:r>
+              <a:rPr lang="ko-KR" altLang="en-US" dirty="0" err="1" smtClean="0"/>
+              <a:t>브랜치의</a:t>
+            </a:r>
+            <a:r>
+              <a:rPr lang="ko-KR" altLang="en-US" dirty="0" smtClean="0"/>
+              <a:t> </a:t>
+            </a:r>
+            <a:r>
+              <a:rPr lang="en-US" altLang="ko-KR" dirty="0"/>
+              <a:t>base</a:t>
+            </a:r>
+            <a:r>
+              <a:rPr lang="ko-KR" altLang="en-US" dirty="0"/>
+              <a:t>를 옮긴다는 의미</a:t>
+            </a:r>
+            <a:endParaRPr lang="ko-KR" altLang="en-US" dirty="0"/>
+          </a:p>
+        </p:txBody>
+      </p:sp>
+      <p:sp>
+        <p:nvSpPr>
+          <p:cNvPr id="19" name="TextBox 18"/>
+          <p:cNvSpPr txBox="1"/>
+          <p:nvPr/>
+        </p:nvSpPr>
+        <p:spPr>
+          <a:xfrm>
+            <a:off x="4736206" y="6133946"/>
+            <a:ext cx="4047775" cy="369332"/>
+          </a:xfrm>
+          <a:prstGeom prst="rect">
+            <a:avLst/>
+          </a:prstGeom>
+          <a:noFill/>
+        </p:spPr>
+        <p:txBody>
+          <a:bodyPr wrap="none" rtlCol="0">
+            <a:spAutoFit/>
+          </a:bodyPr>
+          <a:lstStyle/>
+          <a:p>
+            <a:r>
+              <a:rPr lang="en-US" altLang="ko-KR" dirty="0" smtClean="0"/>
+              <a:t>※ main</a:t>
+            </a:r>
+            <a:r>
+              <a:rPr lang="ko-KR" altLang="en-US" dirty="0" smtClean="0"/>
+              <a:t>에서 </a:t>
+            </a:r>
+            <a:r>
+              <a:rPr lang="en-US" altLang="ko-KR" dirty="0"/>
+              <a:t>rebase</a:t>
+            </a:r>
+            <a:r>
+              <a:rPr lang="ko-KR" altLang="en-US" dirty="0"/>
+              <a:t>를 하는 </a:t>
+            </a:r>
+            <a:r>
+              <a:rPr lang="ko-KR" altLang="en-US" dirty="0" smtClean="0"/>
+              <a:t>것은 조심</a:t>
             </a:r>
             <a:endParaRPr lang="ko-KR" altLang="en-US" dirty="0"/>
           </a:p>
@@ -4914,82 +5540,71 @@
       </p:grpSpPr>
       <p:sp>
         <p:nvSpPr>
-          <p:cNvPr id="2" name="제목 1"/>
-          <p:cNvSpPr>
-            <a:spLocks noGrp="1"/>
-          </p:cNvSpPr>
-          <p:nvPr>
-            <p:ph type="title"/>
-          </p:nvPr>
-        </p:nvSpPr>
-        <p:spPr/>
-        <p:txBody>
-          <a:bodyPr/>
+          <p:cNvPr id="3" name="TextBox 2"/>
+          <p:cNvSpPr txBox="1"/>
+          <p:nvPr/>
+        </p:nvSpPr>
+        <p:spPr>
+          <a:xfrm>
+            <a:off x="285437" y="2710661"/>
+            <a:ext cx="8568952" cy="646331"/>
+          </a:xfrm>
+          <a:prstGeom prst="rect">
+            <a:avLst/>
+          </a:prstGeom>
+          <a:noFill/>
+        </p:spPr>
+        <p:txBody>
+          <a:bodyPr wrap="square" rtlCol="0">
+            <a:spAutoFit/>
+          </a:bodyPr>
           <a:lstStyle/>
           <a:p>
             <a:r>
               <a:rPr lang="en-US" altLang="ko-KR" dirty="0" smtClean="0"/>
-              <a:t>Commit</a:t>
-            </a:r>
-            <a:endParaRPr lang="ko-KR" altLang="en-US" dirty="0"/>
-          </a:p>
-        </p:txBody>
-      </p:sp>
-    </p:spTree>
-    <p:extLst>
-      <p:ext uri="{BB962C8B-B14F-4D97-AF65-F5344CB8AC3E}">
-        <p14:creationId xmlns:p14="http://schemas.microsoft.com/office/powerpoint/2010/main" val="2197507992"/>
-      </p:ext>
-    </p:extLst>
-  </p:cSld>
-  <p:clrMapOvr>
-    <a:masterClrMapping/>
-  </p:clrMapOvr>
-  <p:timing>
-    <p:tnLst>
-      <p:par>
-        <p:cTn id="1" dur="indefinite" restart="never" nodeType="tmRoot"/>
-      </p:par>
-    </p:tnLst>
-  </p:timing>
-</p:sld>
-</file>
-
-<file path=ppt/slides/slide16.xml><?xml version="1.0" encoding="utf-8"?>
-<p:sld xmlns:a="http://schemas.openxmlformats.org/drawingml/2006/main" xmlns:r="http://schemas.openxmlformats.org/officeDocument/2006/relationships" xmlns:p="http://schemas.openxmlformats.org/presentationml/2006/main">
-  <p:cSld>
-    <p:spTree>
-      <p:nvGrpSpPr>
-        <p:cNvPr id="1" name=""/>
-        <p:cNvGrpSpPr/>
-        <p:nvPr/>
-      </p:nvGrpSpPr>
-      <p:grpSpPr>
-        <a:xfrm>
-          <a:off x="0" y="0"/>
-          <a:ext cx="0" cy="0"/>
-          <a:chOff x="0" y="0"/>
-          <a:chExt cx="0" cy="0"/>
-        </a:xfrm>
-      </p:grpSpPr>
-      <p:sp>
-        <p:nvSpPr>
-          <p:cNvPr id="2" name="제목 1"/>
-          <p:cNvSpPr>
-            <a:spLocks noGrp="1"/>
-          </p:cNvSpPr>
-          <p:nvPr>
-            <p:ph type="title"/>
-          </p:nvPr>
-        </p:nvSpPr>
-        <p:spPr/>
-        <p:txBody>
-          <a:bodyPr/>
-          <a:lstStyle/>
-          <a:p>
+              <a:t>Spring</a:t>
+            </a:r>
+            <a:r>
+              <a:rPr lang="ko-KR" altLang="en-US" dirty="0" smtClean="0"/>
+              <a:t>에서 </a:t>
+            </a:r>
             <a:r>
               <a:rPr lang="en-US" altLang="ko-KR" dirty="0" smtClean="0"/>
-              <a:t>Commit</a:t>
+              <a:t>branch</a:t>
+            </a:r>
+            <a:r>
+              <a:rPr lang="ko-KR" altLang="en-US" dirty="0" smtClean="0"/>
+              <a:t>로 올린 내용 </a:t>
+            </a:r>
+            <a:r>
+              <a:rPr lang="en-US" altLang="ko-KR" dirty="0" smtClean="0"/>
+              <a:t>main</a:t>
+            </a:r>
+            <a:r>
+              <a:rPr lang="ko-KR" altLang="en-US" dirty="0"/>
+              <a:t>과</a:t>
+            </a:r>
+            <a:r>
+              <a:rPr lang="ko-KR" altLang="en-US" dirty="0" smtClean="0"/>
+              <a:t> </a:t>
+            </a:r>
+            <a:r>
+              <a:rPr lang="en-US" altLang="ko-KR" dirty="0" smtClean="0"/>
+              <a:t>merge</a:t>
+            </a:r>
+          </a:p>
+          <a:p>
+            <a:r>
+              <a:rPr lang="en-US" altLang="ko-KR" dirty="0" smtClean="0">
+                <a:hlinkClick r:id="rId2"/>
+              </a:rPr>
+              <a:t>https</a:t>
+            </a:r>
+            <a:r>
+              <a:rPr lang="en-US" altLang="ko-KR" dirty="0">
+                <a:hlinkClick r:id="rId2"/>
+              </a:rPr>
+              <a:t>://devhj.tistory.com/10</a:t>
             </a:r>
             <a:endParaRPr lang="ko-KR" altLang="en-US" dirty="0"/>
           </a:p>

--- a/프로젝트 파일/Github.pptx
+++ b/프로젝트 파일/Github.pptx
@@ -5461,7 +5461,7 @@
         </p:nvSpPr>
         <p:spPr>
           <a:xfrm>
-            <a:off x="4736206" y="6133946"/>
+            <a:off x="4736206" y="5877272"/>
             <a:ext cx="4047775" cy="369332"/>
           </a:xfrm>
           <a:prstGeom prst="rect">
@@ -5544,7 +5544,7 @@
         </p:nvSpPr>
         <p:spPr>
           <a:xfrm>
-            <a:off x="285437" y="116632"/>
+            <a:off x="179512" y="116632"/>
             <a:ext cx="8568952" cy="646331"/>
           </a:xfrm>
           <a:prstGeom prst="rect">
@@ -5616,7 +5616,7 @@
         </p:nvSpPr>
         <p:spPr>
           <a:xfrm>
-            <a:off x="285437" y="846060"/>
+            <a:off x="179512" y="846060"/>
             <a:ext cx="3879524" cy="369332"/>
           </a:xfrm>
           <a:prstGeom prst="rect">
@@ -5880,6 +5880,146 @@
               <a:rPr lang="ko-KR" altLang="en-US" dirty="0"/>
               <a:t>릭</a:t>
             </a:r>
+          </a:p>
+        </p:txBody>
+      </p:sp>
+      <p:pic>
+        <p:nvPicPr>
+          <p:cNvPr id="6" name="Picture 2"/>
+          <p:cNvPicPr>
+            <a:picLocks noChangeAspect="1" noChangeArrowheads="1"/>
+          </p:cNvPicPr>
+          <p:nvPr/>
+        </p:nvPicPr>
+        <p:blipFill>
+          <a:blip r:embed="rId4">
+            <a:extLst>
+              <a:ext uri="{28A0092B-C50C-407E-A947-70E740481C1C}">
+                <a14:useLocalDpi xmlns:a14="http://schemas.microsoft.com/office/drawing/2010/main" val="0"/>
+              </a:ext>
+            </a:extLst>
+          </a:blip>
+          <a:srcRect/>
+          <a:stretch>
+            <a:fillRect/>
+          </a:stretch>
+        </p:blipFill>
+        <p:spPr bwMode="auto">
+          <a:xfrm>
+            <a:off x="3737291" y="2921660"/>
+            <a:ext cx="3906078" cy="3243644"/>
+          </a:xfrm>
+          <a:prstGeom prst="rect">
+            <a:avLst/>
+          </a:prstGeom>
+          <a:noFill/>
+          <a:ln>
+            <a:noFill/>
+          </a:ln>
+          <a:effectLst/>
+          <a:extLst>
+            <a:ext uri="{909E8E84-426E-40DD-AFC4-6F175D3DCCD1}">
+              <a14:hiddenFill xmlns:a14="http://schemas.microsoft.com/office/drawing/2010/main">
+                <a:solidFill>
+                  <a:schemeClr val="accent1"/>
+                </a:solidFill>
+              </a14:hiddenFill>
+            </a:ext>
+            <a:ext uri="{91240B29-F687-4F45-9708-019B960494DF}">
+              <a14:hiddenLine xmlns:a14="http://schemas.microsoft.com/office/drawing/2010/main" w="9525">
+                <a:solidFill>
+                  <a:schemeClr val="tx1"/>
+                </a:solidFill>
+                <a:miter lim="800000"/>
+                <a:headEnd/>
+                <a:tailEnd/>
+              </a14:hiddenLine>
+            </a:ext>
+            <a:ext uri="{AF507438-7753-43E0-B8FC-AC1667EBCBE1}">
+              <a14:hiddenEffects xmlns:a14="http://schemas.microsoft.com/office/drawing/2010/main">
+                <a:effectLst>
+                  <a:outerShdw dist="35921" dir="2700000" algn="ctr" rotWithShape="0">
+                    <a:schemeClr val="bg2"/>
+                  </a:outerShdw>
+                </a:effectLst>
+              </a14:hiddenEffects>
+            </a:ext>
+          </a:extLst>
+        </p:spPr>
+      </p:pic>
+      <p:sp>
+        <p:nvSpPr>
+          <p:cNvPr id="7" name="TextBox 6"/>
+          <p:cNvSpPr txBox="1"/>
+          <p:nvPr/>
+        </p:nvSpPr>
+        <p:spPr>
+          <a:xfrm>
+            <a:off x="3059832" y="4283804"/>
+            <a:ext cx="404278" cy="369332"/>
+          </a:xfrm>
+          <a:prstGeom prst="rect">
+            <a:avLst/>
+          </a:prstGeom>
+          <a:noFill/>
+        </p:spPr>
+        <p:txBody>
+          <a:bodyPr wrap="none" rtlCol="0">
+            <a:spAutoFit/>
+          </a:bodyPr>
+          <a:lstStyle/>
+          <a:p>
+            <a:r>
+              <a:rPr lang="ko-KR" altLang="en-US" dirty="0" smtClean="0"/>
+              <a:t>→</a:t>
+            </a:r>
+            <a:endParaRPr lang="ko-KR" altLang="en-US" dirty="0"/>
+          </a:p>
+        </p:txBody>
+      </p:sp>
+      <p:sp>
+        <p:nvSpPr>
+          <p:cNvPr id="8" name="TextBox 7"/>
+          <p:cNvSpPr txBox="1"/>
+          <p:nvPr/>
+        </p:nvSpPr>
+        <p:spPr>
+          <a:xfrm>
+            <a:off x="3635896" y="6300028"/>
+            <a:ext cx="4024820" cy="369332"/>
+          </a:xfrm>
+          <a:prstGeom prst="rect">
+            <a:avLst/>
+          </a:prstGeom>
+          <a:noFill/>
+        </p:spPr>
+        <p:txBody>
+          <a:bodyPr wrap="none" rtlCol="0">
+            <a:spAutoFit/>
+          </a:bodyPr>
+          <a:lstStyle/>
+          <a:p>
+            <a:r>
+              <a:rPr lang="en-US" altLang="ko-KR" dirty="0" smtClean="0"/>
+              <a:t>Reference</a:t>
+            </a:r>
+            <a:r>
+              <a:rPr lang="ko-KR" altLang="en-US" dirty="0" smtClean="0"/>
+              <a:t>를 </a:t>
+            </a:r>
+            <a:r>
+              <a:rPr lang="en-US" altLang="ko-KR" dirty="0" smtClean="0"/>
+              <a:t>main</a:t>
+            </a:r>
+            <a:r>
+              <a:rPr lang="ko-KR" altLang="en-US" dirty="0" smtClean="0"/>
+              <a:t>으로 변경 후 </a:t>
+            </a:r>
+            <a:r>
+              <a:rPr lang="en-US" altLang="ko-KR" dirty="0" smtClean="0"/>
+              <a:t>Finish</a:t>
+            </a:r>
+            <a:endParaRPr lang="ko-KR" altLang="en-US" dirty="0"/>
           </a:p>
         </p:txBody>
       </p:sp>
